--- a/man/figures/logo.pptx
+++ b/man/figures/logo.pptx
@@ -243,7 +243,7 @@
           <a:p>
             <a:fld id="{8AA7341E-E8D5-574D-9C77-42D65F8270B5}" type="datetimeFigureOut">
               <a:rPr lang="en-US" smtClean="0"/>
-              <a:t>Dec 26</a:t>
+              <a:t>Feb 14</a:t>
             </a:fld>
             <a:endParaRPr lang="en-US"/>
           </a:p>
@@ -413,7 +413,7 @@
           <a:p>
             <a:fld id="{8AA7341E-E8D5-574D-9C77-42D65F8270B5}" type="datetimeFigureOut">
               <a:rPr lang="en-US" smtClean="0"/>
-              <a:t>Dec 26</a:t>
+              <a:t>Feb 14</a:t>
             </a:fld>
             <a:endParaRPr lang="en-US"/>
           </a:p>
@@ -593,7 +593,7 @@
           <a:p>
             <a:fld id="{8AA7341E-E8D5-574D-9C77-42D65F8270B5}" type="datetimeFigureOut">
               <a:rPr lang="en-US" smtClean="0"/>
-              <a:t>Dec 26</a:t>
+              <a:t>Feb 14</a:t>
             </a:fld>
             <a:endParaRPr lang="en-US"/>
           </a:p>
@@ -763,7 +763,7 @@
           <a:p>
             <a:fld id="{8AA7341E-E8D5-574D-9C77-42D65F8270B5}" type="datetimeFigureOut">
               <a:rPr lang="en-US" smtClean="0"/>
-              <a:t>Dec 26</a:t>
+              <a:t>Feb 14</a:t>
             </a:fld>
             <a:endParaRPr lang="en-US"/>
           </a:p>
@@ -1007,7 +1007,7 @@
           <a:p>
             <a:fld id="{8AA7341E-E8D5-574D-9C77-42D65F8270B5}" type="datetimeFigureOut">
               <a:rPr lang="en-US" smtClean="0"/>
-              <a:t>Dec 26</a:t>
+              <a:t>Feb 14</a:t>
             </a:fld>
             <a:endParaRPr lang="en-US"/>
           </a:p>
@@ -1239,7 +1239,7 @@
           <a:p>
             <a:fld id="{8AA7341E-E8D5-574D-9C77-42D65F8270B5}" type="datetimeFigureOut">
               <a:rPr lang="en-US" smtClean="0"/>
-              <a:t>Dec 26</a:t>
+              <a:t>Feb 14</a:t>
             </a:fld>
             <a:endParaRPr lang="en-US"/>
           </a:p>
@@ -1606,7 +1606,7 @@
           <a:p>
             <a:fld id="{8AA7341E-E8D5-574D-9C77-42D65F8270B5}" type="datetimeFigureOut">
               <a:rPr lang="en-US" smtClean="0"/>
-              <a:t>Dec 26</a:t>
+              <a:t>Feb 14</a:t>
             </a:fld>
             <a:endParaRPr lang="en-US"/>
           </a:p>
@@ -1724,7 +1724,7 @@
           <a:p>
             <a:fld id="{8AA7341E-E8D5-574D-9C77-42D65F8270B5}" type="datetimeFigureOut">
               <a:rPr lang="en-US" smtClean="0"/>
-              <a:t>Dec 26</a:t>
+              <a:t>Feb 14</a:t>
             </a:fld>
             <a:endParaRPr lang="en-US"/>
           </a:p>
@@ -1819,7 +1819,7 @@
           <a:p>
             <a:fld id="{8AA7341E-E8D5-574D-9C77-42D65F8270B5}" type="datetimeFigureOut">
               <a:rPr lang="en-US" smtClean="0"/>
-              <a:t>Dec 26</a:t>
+              <a:t>Feb 14</a:t>
             </a:fld>
             <a:endParaRPr lang="en-US"/>
           </a:p>
@@ -2096,7 +2096,7 @@
           <a:p>
             <a:fld id="{8AA7341E-E8D5-574D-9C77-42D65F8270B5}" type="datetimeFigureOut">
               <a:rPr lang="en-US" smtClean="0"/>
-              <a:t>Dec 26</a:t>
+              <a:t>Feb 14</a:t>
             </a:fld>
             <a:endParaRPr lang="en-US"/>
           </a:p>
@@ -2353,7 +2353,7 @@
           <a:p>
             <a:fld id="{8AA7341E-E8D5-574D-9C77-42D65F8270B5}" type="datetimeFigureOut">
               <a:rPr lang="en-US" smtClean="0"/>
-              <a:t>Dec 26</a:t>
+              <a:t>Feb 14</a:t>
             </a:fld>
             <a:endParaRPr lang="en-US"/>
           </a:p>
@@ -2566,7 +2566,7 @@
           <a:p>
             <a:fld id="{8AA7341E-E8D5-574D-9C77-42D65F8270B5}" type="datetimeFigureOut">
               <a:rPr lang="en-US" smtClean="0"/>
-              <a:t>Dec 26</a:t>
+              <a:t>Feb 14</a:t>
             </a:fld>
             <a:endParaRPr lang="en-US"/>
           </a:p>
@@ -2997,11 +2997,11 @@
             </a:avLst>
           </a:prstGeom>
           <a:solidFill>
-            <a:srgbClr val="0F374B"/>
+            <a:srgbClr val="164F86"/>
           </a:solidFill>
           <a:ln w="825500">
             <a:solidFill>
-              <a:srgbClr val="22333E"/>
+              <a:srgbClr val="1C2F61"/>
             </a:solidFill>
           </a:ln>
         </p:spPr>
@@ -3030,35 +3030,6 @@
           </a:p>
         </p:txBody>
       </p:sp>
-      <p:pic>
-        <p:nvPicPr>
-          <p:cNvPr id="2" name="Picture 1">
-            <a:extLst>
-              <a:ext uri="{FF2B5EF4-FFF2-40B4-BE49-F238E27FC236}">
-                <a16:creationId xmlns:a16="http://schemas.microsoft.com/office/drawing/2014/main" id="{32AB9EE9-2B6F-44C0-A8DD-497750FFB1D4}"/>
-              </a:ext>
-            </a:extLst>
-          </p:cNvPr>
-          <p:cNvPicPr>
-            <a:picLocks noChangeAspect="1"/>
-          </p:cNvPicPr>
-          <p:nvPr/>
-        </p:nvPicPr>
-        <p:blipFill rotWithShape="1">
-          <a:blip r:embed="rId2"/>
-          <a:srcRect/>
-          <a:stretch/>
-        </p:blipFill>
-        <p:spPr>
-          <a:xfrm>
-            <a:off x="5554466" y="3974389"/>
-            <a:ext cx="10836669" cy="10058400"/>
-          </a:xfrm>
-          <a:prstGeom prst="rect">
-            <a:avLst/>
-          </a:prstGeom>
-        </p:spPr>
-      </p:pic>
       <p:sp>
         <p:nvSpPr>
           <p:cNvPr id="4" name="TextBox 3">
@@ -3073,8 +3044,8 @@
         </p:nvSpPr>
         <p:spPr>
           <a:xfrm>
-            <a:off x="-113623" y="13193774"/>
-            <a:ext cx="22172846" cy="5632311"/>
+            <a:off x="-113623" y="9861242"/>
+            <a:ext cx="22172846" cy="5940088"/>
           </a:xfrm>
           <a:prstGeom prst="rect">
             <a:avLst/>
@@ -3089,7 +3060,7 @@
           <a:p>
             <a:pPr algn="ctr"/>
             <a:r>
-              <a:rPr lang="en-US" sz="36000" i="1" spc="600" dirty="0" err="1">
+              <a:rPr lang="en-US" sz="38000" i="1" dirty="0" err="1">
                 <a:solidFill>
                   <a:schemeClr val="bg1"/>
                 </a:solidFill>
@@ -3098,7 +3069,7 @@
               <a:t>faux</a:t>
             </a:r>
             <a:r>
-              <a:rPr lang="en-US" sz="25300" b="1" i="1" spc="600" dirty="0" err="1">
+              <a:rPr lang="en-US" sz="26800" b="1" i="1" dirty="0" err="1">
                 <a:solidFill>
                   <a:schemeClr val="bg1"/>
                 </a:solidFill>
@@ -3108,7 +3079,7 @@
               <a:t>NA</a:t>
             </a:r>
             <a:r>
-              <a:rPr lang="en-US" sz="36000" i="1" spc="600" dirty="0" err="1">
+              <a:rPr lang="en-US" sz="38000" i="1" dirty="0" err="1">
                 <a:solidFill>
                   <a:schemeClr val="bg1"/>
                 </a:solidFill>
@@ -3118,7 +3089,7 @@
               <a:t>ï</a:t>
             </a:r>
             <a:r>
-              <a:rPr lang="en-US" sz="36000" i="1" spc="600" dirty="0" err="1">
+              <a:rPr lang="en-US" sz="38000" i="1" dirty="0" err="1">
                 <a:solidFill>
                   <a:schemeClr val="bg1"/>
                 </a:solidFill>
@@ -3126,69 +3097,12 @@
               </a:rPr>
               <a:t>f</a:t>
             </a:r>
-            <a:endParaRPr lang="en-US" sz="36000" i="1" spc="600" dirty="0">
+            <a:endParaRPr lang="en-US" sz="38000" i="1" dirty="0">
               <a:solidFill>
                 <a:schemeClr val="bg1"/>
               </a:solidFill>
               <a:latin typeface="Bodoni* 11" pitchFamily="50" charset="0"/>
             </a:endParaRPr>
-          </a:p>
-        </p:txBody>
-      </p:sp>
-      <p:sp>
-        <p:nvSpPr>
-          <p:cNvPr id="7" name="Hexagon 6">
-            <a:extLst>
-              <a:ext uri="{FF2B5EF4-FFF2-40B4-BE49-F238E27FC236}">
-                <a16:creationId xmlns:a16="http://schemas.microsoft.com/office/drawing/2014/main" id="{FE236D05-FBBE-48E1-BE56-810EFBC7C2EF}"/>
-              </a:ext>
-            </a:extLst>
-          </p:cNvPr>
-          <p:cNvSpPr>
-            <a:spLocks noChangeAspect="1"/>
-          </p:cNvSpPr>
-          <p:nvPr/>
-        </p:nvSpPr>
-        <p:spPr>
-          <a:xfrm rot="5400000">
-            <a:off x="-914402" y="2363037"/>
-            <a:ext cx="23774404" cy="20694565"/>
-          </a:xfrm>
-          <a:prstGeom prst="hexagon">
-            <a:avLst>
-              <a:gd name="adj" fmla="val 28372"/>
-              <a:gd name="vf" fmla="val 115470"/>
-            </a:avLst>
-          </a:prstGeom>
-          <a:noFill/>
-          <a:ln w="825500">
-            <a:solidFill>
-              <a:srgbClr val="001621"/>
-            </a:solidFill>
-          </a:ln>
-        </p:spPr>
-        <p:style>
-          <a:lnRef idx="2">
-            <a:schemeClr val="accent1">
-              <a:shade val="50000"/>
-            </a:schemeClr>
-          </a:lnRef>
-          <a:fillRef idx="1">
-            <a:schemeClr val="accent1"/>
-          </a:fillRef>
-          <a:effectRef idx="0">
-            <a:schemeClr val="accent1"/>
-          </a:effectRef>
-          <a:fontRef idx="minor">
-            <a:schemeClr val="lt1"/>
-          </a:fontRef>
-        </p:style>
-        <p:txBody>
-          <a:bodyPr rtlCol="0" anchor="ctr"/>
-          <a:lstStyle/>
-          <a:p>
-            <a:pPr algn="ctr"/>
-            <a:endParaRPr lang="en-US" dirty="0"/>
           </a:p>
         </p:txBody>
       </p:sp>

--- a/man/figures/logo.pptx
+++ b/man/figures/logo.pptx
@@ -3001,7 +3001,7 @@
           </a:solidFill>
           <a:ln w="825500">
             <a:solidFill>
-              <a:srgbClr val="1C2F61"/>
+              <a:srgbClr val="14275B"/>
             </a:solidFill>
           </a:ln>
         </p:spPr>
@@ -3030,6 +3030,1054 @@
           </a:p>
         </p:txBody>
       </p:sp>
+      <p:grpSp>
+        <p:nvGrpSpPr>
+          <p:cNvPr id="14" name="Group 13">
+            <a:extLst>
+              <a:ext uri="{FF2B5EF4-FFF2-40B4-BE49-F238E27FC236}">
+                <a16:creationId xmlns:a16="http://schemas.microsoft.com/office/drawing/2014/main" id="{971BCA0D-106D-40EB-8240-67ECCD38BDB4}"/>
+              </a:ext>
+            </a:extLst>
+          </p:cNvPr>
+          <p:cNvGrpSpPr/>
+          <p:nvPr/>
+        </p:nvGrpSpPr>
+        <p:grpSpPr>
+          <a:xfrm>
+            <a:off x="6650984" y="5121071"/>
+            <a:ext cx="8202936" cy="5347099"/>
+            <a:chOff x="6650984" y="4514877"/>
+            <a:chExt cx="8643630" cy="5634366"/>
+          </a:xfrm>
+          <a:solidFill>
+            <a:schemeClr val="bg1"/>
+          </a:solidFill>
+        </p:grpSpPr>
+        <p:sp>
+          <p:nvSpPr>
+            <p:cNvPr id="12" name="Freeform: Shape 11">
+              <a:extLst>
+                <a:ext uri="{FF2B5EF4-FFF2-40B4-BE49-F238E27FC236}">
+                  <a16:creationId xmlns:a16="http://schemas.microsoft.com/office/drawing/2014/main" id="{7A9772FA-DD99-40D1-931E-5B2818FBF7A1}"/>
+                </a:ext>
+              </a:extLst>
+            </p:cNvPr>
+            <p:cNvSpPr/>
+            <p:nvPr/>
+          </p:nvSpPr>
+          <p:spPr>
+            <a:xfrm>
+              <a:off x="6650984" y="4514877"/>
+              <a:ext cx="2240941" cy="2240941"/>
+            </a:xfrm>
+            <a:custGeom>
+              <a:avLst/>
+              <a:gdLst>
+                <a:gd name="connsiteX0" fmla="*/ 2240941 w 2240941"/>
+                <a:gd name="connsiteY0" fmla="*/ 0 h 2240941"/>
+                <a:gd name="connsiteX1" fmla="*/ 1855980 w 2240941"/>
+                <a:gd name="connsiteY1" fmla="*/ 0 h 2240941"/>
+                <a:gd name="connsiteX2" fmla="*/ 0 w 2240941"/>
+                <a:gd name="connsiteY2" fmla="*/ 2227144 h 2240941"/>
+                <a:gd name="connsiteX3" fmla="*/ 0 w 2240941"/>
+                <a:gd name="connsiteY3" fmla="*/ 2240941 h 2240941"/>
+                <a:gd name="connsiteX4" fmla="*/ 2240941 w 2240941"/>
+                <a:gd name="connsiteY4" fmla="*/ 2240941 h 2240941"/>
+              </a:gdLst>
+              <a:ahLst/>
+              <a:cxnLst>
+                <a:cxn ang="0">
+                  <a:pos x="connsiteX0" y="connsiteY0"/>
+                </a:cxn>
+                <a:cxn ang="0">
+                  <a:pos x="connsiteX1" y="connsiteY1"/>
+                </a:cxn>
+                <a:cxn ang="0">
+                  <a:pos x="connsiteX2" y="connsiteY2"/>
+                </a:cxn>
+                <a:cxn ang="0">
+                  <a:pos x="connsiteX3" y="connsiteY3"/>
+                </a:cxn>
+                <a:cxn ang="0">
+                  <a:pos x="connsiteX4" y="connsiteY4"/>
+                </a:cxn>
+              </a:cxnLst>
+              <a:rect l="l" t="t" r="r" b="b"/>
+              <a:pathLst>
+                <a:path w="2240941" h="2240941">
+                  <a:moveTo>
+                    <a:pt x="2240941" y="0"/>
+                  </a:moveTo>
+                  <a:lnTo>
+                    <a:pt x="1855980" y="0"/>
+                  </a:lnTo>
+                  <a:lnTo>
+                    <a:pt x="0" y="2227144"/>
+                  </a:lnTo>
+                  <a:lnTo>
+                    <a:pt x="0" y="2240941"/>
+                  </a:lnTo>
+                  <a:lnTo>
+                    <a:pt x="2240941" y="2240941"/>
+                  </a:lnTo>
+                  <a:close/>
+                </a:path>
+              </a:pathLst>
+            </a:custGeom>
+            <a:grpFill/>
+            <a:ln w="31998" cap="flat">
+              <a:noFill/>
+              <a:prstDash val="solid"/>
+              <a:miter/>
+            </a:ln>
+          </p:spPr>
+          <p:txBody>
+            <a:bodyPr rtlCol="0" anchor="ctr"/>
+            <a:lstStyle/>
+            <a:p>
+              <a:endParaRPr lang="en-US"/>
+            </a:p>
+          </p:txBody>
+        </p:sp>
+        <p:sp>
+          <p:nvSpPr>
+            <p:cNvPr id="13" name="Freeform: Shape 12">
+              <a:extLst>
+                <a:ext uri="{FF2B5EF4-FFF2-40B4-BE49-F238E27FC236}">
+                  <a16:creationId xmlns:a16="http://schemas.microsoft.com/office/drawing/2014/main" id="{28A9EFD3-0316-4519-A2E7-5E996114AED7}"/>
+                </a:ext>
+              </a:extLst>
+            </p:cNvPr>
+            <p:cNvSpPr/>
+            <p:nvPr/>
+          </p:nvSpPr>
+          <p:spPr>
+            <a:xfrm>
+              <a:off x="6650984" y="4514877"/>
+              <a:ext cx="8643630" cy="5634366"/>
+            </a:xfrm>
+            <a:custGeom>
+              <a:avLst/>
+              <a:gdLst>
+                <a:gd name="connsiteX0" fmla="*/ 8643630 w 8643630"/>
+                <a:gd name="connsiteY0" fmla="*/ 0 h 5634366"/>
+                <a:gd name="connsiteX1" fmla="*/ 3201345 w 8643630"/>
+                <a:gd name="connsiteY1" fmla="*/ 0 h 5634366"/>
+                <a:gd name="connsiteX2" fmla="*/ 3201345 w 8643630"/>
+                <a:gd name="connsiteY2" fmla="*/ 3201345 h 5634366"/>
+                <a:gd name="connsiteX3" fmla="*/ 0 w 8643630"/>
+                <a:gd name="connsiteY3" fmla="*/ 3201345 h 5634366"/>
+                <a:gd name="connsiteX4" fmla="*/ 0 w 8643630"/>
+                <a:gd name="connsiteY4" fmla="*/ 5634367 h 5634366"/>
+                <a:gd name="connsiteX5" fmla="*/ 8643630 w 8643630"/>
+                <a:gd name="connsiteY5" fmla="*/ 5634367 h 5634366"/>
+              </a:gdLst>
+              <a:ahLst/>
+              <a:cxnLst>
+                <a:cxn ang="0">
+                  <a:pos x="connsiteX0" y="connsiteY0"/>
+                </a:cxn>
+                <a:cxn ang="0">
+                  <a:pos x="connsiteX1" y="connsiteY1"/>
+                </a:cxn>
+                <a:cxn ang="0">
+                  <a:pos x="connsiteX2" y="connsiteY2"/>
+                </a:cxn>
+                <a:cxn ang="0">
+                  <a:pos x="connsiteX3" y="connsiteY3"/>
+                </a:cxn>
+                <a:cxn ang="0">
+                  <a:pos x="connsiteX4" y="connsiteY4"/>
+                </a:cxn>
+                <a:cxn ang="0">
+                  <a:pos x="connsiteX5" y="connsiteY5"/>
+                </a:cxn>
+              </a:cxnLst>
+              <a:rect l="l" t="t" r="r" b="b"/>
+              <a:pathLst>
+                <a:path w="8643630" h="5634366">
+                  <a:moveTo>
+                    <a:pt x="8643630" y="0"/>
+                  </a:moveTo>
+                  <a:lnTo>
+                    <a:pt x="3201345" y="0"/>
+                  </a:lnTo>
+                  <a:lnTo>
+                    <a:pt x="3201345" y="3201345"/>
+                  </a:lnTo>
+                  <a:lnTo>
+                    <a:pt x="0" y="3201345"/>
+                  </a:lnTo>
+                  <a:lnTo>
+                    <a:pt x="0" y="5634367"/>
+                  </a:lnTo>
+                  <a:lnTo>
+                    <a:pt x="8643630" y="5634367"/>
+                  </a:lnTo>
+                  <a:close/>
+                </a:path>
+              </a:pathLst>
+            </a:custGeom>
+            <a:grpFill/>
+            <a:ln w="31998" cap="flat">
+              <a:noFill/>
+              <a:prstDash val="solid"/>
+              <a:miter/>
+            </a:ln>
+          </p:spPr>
+          <p:txBody>
+            <a:bodyPr rtlCol="0" anchor="ctr"/>
+            <a:lstStyle/>
+            <a:p>
+              <a:endParaRPr lang="en-US"/>
+            </a:p>
+          </p:txBody>
+        </p:sp>
+      </p:grpSp>
+      <p:grpSp>
+        <p:nvGrpSpPr>
+          <p:cNvPr id="15" name="Group 14">
+            <a:extLst>
+              <a:ext uri="{FF2B5EF4-FFF2-40B4-BE49-F238E27FC236}">
+                <a16:creationId xmlns:a16="http://schemas.microsoft.com/office/drawing/2014/main" id="{437A7C11-CFE7-47BC-B5E2-C9C0F580E4A8}"/>
+              </a:ext>
+            </a:extLst>
+          </p:cNvPr>
+          <p:cNvGrpSpPr/>
+          <p:nvPr/>
+        </p:nvGrpSpPr>
+        <p:grpSpPr>
+          <a:xfrm>
+            <a:off x="6871329" y="14959907"/>
+            <a:ext cx="8202936" cy="5347099"/>
+            <a:chOff x="6650984" y="15271394"/>
+            <a:chExt cx="8643630" cy="5634366"/>
+          </a:xfrm>
+          <a:solidFill>
+            <a:schemeClr val="bg1"/>
+          </a:solidFill>
+        </p:grpSpPr>
+        <p:sp>
+          <p:nvSpPr>
+            <p:cNvPr id="7" name="Freeform: Shape 6">
+              <a:extLst>
+                <a:ext uri="{FF2B5EF4-FFF2-40B4-BE49-F238E27FC236}">
+                  <a16:creationId xmlns:a16="http://schemas.microsoft.com/office/drawing/2014/main" id="{DEADC7D7-EE63-4E0C-A7BB-CC54C71CECBB}"/>
+                </a:ext>
+              </a:extLst>
+            </p:cNvPr>
+            <p:cNvSpPr/>
+            <p:nvPr/>
+          </p:nvSpPr>
+          <p:spPr>
+            <a:xfrm>
+              <a:off x="14334211" y="15271394"/>
+              <a:ext cx="960403" cy="5154164"/>
+            </a:xfrm>
+            <a:custGeom>
+              <a:avLst/>
+              <a:gdLst>
+                <a:gd name="connsiteX0" fmla="*/ 0 w 960403"/>
+                <a:gd name="connsiteY0" fmla="*/ 0 h 5154164"/>
+                <a:gd name="connsiteX1" fmla="*/ 960403 w 960403"/>
+                <a:gd name="connsiteY1" fmla="*/ 0 h 5154164"/>
+                <a:gd name="connsiteX2" fmla="*/ 960403 w 960403"/>
+                <a:gd name="connsiteY2" fmla="*/ 5154165 h 5154164"/>
+                <a:gd name="connsiteX3" fmla="*/ 0 w 960403"/>
+                <a:gd name="connsiteY3" fmla="*/ 5154165 h 5154164"/>
+              </a:gdLst>
+              <a:ahLst/>
+              <a:cxnLst>
+                <a:cxn ang="0">
+                  <a:pos x="connsiteX0" y="connsiteY0"/>
+                </a:cxn>
+                <a:cxn ang="0">
+                  <a:pos x="connsiteX1" y="connsiteY1"/>
+                </a:cxn>
+                <a:cxn ang="0">
+                  <a:pos x="connsiteX2" y="connsiteY2"/>
+                </a:cxn>
+                <a:cxn ang="0">
+                  <a:pos x="connsiteX3" y="connsiteY3"/>
+                </a:cxn>
+              </a:cxnLst>
+              <a:rect l="l" t="t" r="r" b="b"/>
+              <a:pathLst>
+                <a:path w="960403" h="5154164">
+                  <a:moveTo>
+                    <a:pt x="0" y="0"/>
+                  </a:moveTo>
+                  <a:lnTo>
+                    <a:pt x="960403" y="0"/>
+                  </a:lnTo>
+                  <a:lnTo>
+                    <a:pt x="960403" y="5154165"/>
+                  </a:lnTo>
+                  <a:lnTo>
+                    <a:pt x="0" y="5154165"/>
+                  </a:lnTo>
+                  <a:close/>
+                </a:path>
+              </a:pathLst>
+            </a:custGeom>
+            <a:grpFill/>
+            <a:ln w="31998" cap="flat">
+              <a:noFill/>
+              <a:prstDash val="solid"/>
+              <a:miter/>
+            </a:ln>
+          </p:spPr>
+          <p:txBody>
+            <a:bodyPr rtlCol="0" anchor="ctr"/>
+            <a:lstStyle/>
+            <a:p>
+              <a:endParaRPr lang="en-US"/>
+            </a:p>
+          </p:txBody>
+        </p:sp>
+        <p:sp>
+          <p:nvSpPr>
+            <p:cNvPr id="8" name="Freeform: Shape 7">
+              <a:extLst>
+                <a:ext uri="{FF2B5EF4-FFF2-40B4-BE49-F238E27FC236}">
+                  <a16:creationId xmlns:a16="http://schemas.microsoft.com/office/drawing/2014/main" id="{B3BE2E22-73BD-46ED-A9FC-3F7F6C389655}"/>
+                </a:ext>
+              </a:extLst>
+            </p:cNvPr>
+            <p:cNvSpPr/>
+            <p:nvPr/>
+          </p:nvSpPr>
+          <p:spPr>
+            <a:xfrm>
+              <a:off x="6650984" y="15271394"/>
+              <a:ext cx="960403" cy="5154164"/>
+            </a:xfrm>
+            <a:custGeom>
+              <a:avLst/>
+              <a:gdLst>
+                <a:gd name="connsiteX0" fmla="*/ 0 w 960403"/>
+                <a:gd name="connsiteY0" fmla="*/ 0 h 5154164"/>
+                <a:gd name="connsiteX1" fmla="*/ 960403 w 960403"/>
+                <a:gd name="connsiteY1" fmla="*/ 0 h 5154164"/>
+                <a:gd name="connsiteX2" fmla="*/ 960403 w 960403"/>
+                <a:gd name="connsiteY2" fmla="*/ 5154165 h 5154164"/>
+                <a:gd name="connsiteX3" fmla="*/ 0 w 960403"/>
+                <a:gd name="connsiteY3" fmla="*/ 5154165 h 5154164"/>
+              </a:gdLst>
+              <a:ahLst/>
+              <a:cxnLst>
+                <a:cxn ang="0">
+                  <a:pos x="connsiteX0" y="connsiteY0"/>
+                </a:cxn>
+                <a:cxn ang="0">
+                  <a:pos x="connsiteX1" y="connsiteY1"/>
+                </a:cxn>
+                <a:cxn ang="0">
+                  <a:pos x="connsiteX2" y="connsiteY2"/>
+                </a:cxn>
+                <a:cxn ang="0">
+                  <a:pos x="connsiteX3" y="connsiteY3"/>
+                </a:cxn>
+              </a:cxnLst>
+              <a:rect l="l" t="t" r="r" b="b"/>
+              <a:pathLst>
+                <a:path w="960403" h="5154164">
+                  <a:moveTo>
+                    <a:pt x="0" y="0"/>
+                  </a:moveTo>
+                  <a:lnTo>
+                    <a:pt x="960403" y="0"/>
+                  </a:lnTo>
+                  <a:lnTo>
+                    <a:pt x="960403" y="5154165"/>
+                  </a:lnTo>
+                  <a:lnTo>
+                    <a:pt x="0" y="5154165"/>
+                  </a:lnTo>
+                  <a:close/>
+                </a:path>
+              </a:pathLst>
+            </a:custGeom>
+            <a:grpFill/>
+            <a:ln w="31998" cap="flat">
+              <a:noFill/>
+              <a:prstDash val="solid"/>
+              <a:miter/>
+            </a:ln>
+          </p:spPr>
+          <p:txBody>
+            <a:bodyPr rtlCol="0" anchor="ctr"/>
+            <a:lstStyle/>
+            <a:p>
+              <a:endParaRPr lang="en-US"/>
+            </a:p>
+          </p:txBody>
+        </p:sp>
+        <p:sp>
+          <p:nvSpPr>
+            <p:cNvPr id="9" name="Freeform: Shape 8">
+              <a:extLst>
+                <a:ext uri="{FF2B5EF4-FFF2-40B4-BE49-F238E27FC236}">
+                  <a16:creationId xmlns:a16="http://schemas.microsoft.com/office/drawing/2014/main" id="{02A2CAD6-37AB-47FD-B37E-3A6A9451ACFA}"/>
+                </a:ext>
+              </a:extLst>
+            </p:cNvPr>
+            <p:cNvSpPr/>
+            <p:nvPr/>
+          </p:nvSpPr>
+          <p:spPr>
+            <a:xfrm>
+              <a:off x="10492598" y="15271394"/>
+              <a:ext cx="960403" cy="5634366"/>
+            </a:xfrm>
+            <a:custGeom>
+              <a:avLst/>
+              <a:gdLst>
+                <a:gd name="connsiteX0" fmla="*/ 0 w 960403"/>
+                <a:gd name="connsiteY0" fmla="*/ 0 h 5634366"/>
+                <a:gd name="connsiteX1" fmla="*/ 960403 w 960403"/>
+                <a:gd name="connsiteY1" fmla="*/ 0 h 5634366"/>
+                <a:gd name="connsiteX2" fmla="*/ 960403 w 960403"/>
+                <a:gd name="connsiteY2" fmla="*/ 5634367 h 5634366"/>
+                <a:gd name="connsiteX3" fmla="*/ 0 w 960403"/>
+                <a:gd name="connsiteY3" fmla="*/ 5634367 h 5634366"/>
+              </a:gdLst>
+              <a:ahLst/>
+              <a:cxnLst>
+                <a:cxn ang="0">
+                  <a:pos x="connsiteX0" y="connsiteY0"/>
+                </a:cxn>
+                <a:cxn ang="0">
+                  <a:pos x="connsiteX1" y="connsiteY1"/>
+                </a:cxn>
+                <a:cxn ang="0">
+                  <a:pos x="connsiteX2" y="connsiteY2"/>
+                </a:cxn>
+                <a:cxn ang="0">
+                  <a:pos x="connsiteX3" y="connsiteY3"/>
+                </a:cxn>
+              </a:cxnLst>
+              <a:rect l="l" t="t" r="r" b="b"/>
+              <a:pathLst>
+                <a:path w="960403" h="5634366">
+                  <a:moveTo>
+                    <a:pt x="0" y="0"/>
+                  </a:moveTo>
+                  <a:lnTo>
+                    <a:pt x="960403" y="0"/>
+                  </a:lnTo>
+                  <a:lnTo>
+                    <a:pt x="960403" y="5634367"/>
+                  </a:lnTo>
+                  <a:lnTo>
+                    <a:pt x="0" y="5634367"/>
+                  </a:lnTo>
+                  <a:close/>
+                </a:path>
+              </a:pathLst>
+            </a:custGeom>
+            <a:grpFill/>
+            <a:ln w="31998" cap="flat">
+              <a:noFill/>
+              <a:prstDash val="solid"/>
+              <a:miter/>
+            </a:ln>
+          </p:spPr>
+          <p:txBody>
+            <a:bodyPr rtlCol="0" anchor="ctr"/>
+            <a:lstStyle/>
+            <a:p>
+              <a:endParaRPr lang="en-US"/>
+            </a:p>
+          </p:txBody>
+        </p:sp>
+        <p:sp>
+          <p:nvSpPr>
+            <p:cNvPr id="10" name="Freeform: Shape 9">
+              <a:extLst>
+                <a:ext uri="{FF2B5EF4-FFF2-40B4-BE49-F238E27FC236}">
+                  <a16:creationId xmlns:a16="http://schemas.microsoft.com/office/drawing/2014/main" id="{EBC1AFDE-1AA1-46C1-90CB-10F4396773B0}"/>
+                </a:ext>
+              </a:extLst>
+            </p:cNvPr>
+            <p:cNvSpPr/>
+            <p:nvPr/>
+          </p:nvSpPr>
+          <p:spPr>
+            <a:xfrm>
+              <a:off x="8571791" y="15271394"/>
+              <a:ext cx="960403" cy="4449868"/>
+            </a:xfrm>
+            <a:custGeom>
+              <a:avLst/>
+              <a:gdLst>
+                <a:gd name="connsiteX0" fmla="*/ 0 w 960403"/>
+                <a:gd name="connsiteY0" fmla="*/ 0 h 4449868"/>
+                <a:gd name="connsiteX1" fmla="*/ 960403 w 960403"/>
+                <a:gd name="connsiteY1" fmla="*/ 0 h 4449868"/>
+                <a:gd name="connsiteX2" fmla="*/ 960403 w 960403"/>
+                <a:gd name="connsiteY2" fmla="*/ 4449869 h 4449868"/>
+                <a:gd name="connsiteX3" fmla="*/ 0 w 960403"/>
+                <a:gd name="connsiteY3" fmla="*/ 4449869 h 4449868"/>
+              </a:gdLst>
+              <a:ahLst/>
+              <a:cxnLst>
+                <a:cxn ang="0">
+                  <a:pos x="connsiteX0" y="connsiteY0"/>
+                </a:cxn>
+                <a:cxn ang="0">
+                  <a:pos x="connsiteX1" y="connsiteY1"/>
+                </a:cxn>
+                <a:cxn ang="0">
+                  <a:pos x="connsiteX2" y="connsiteY2"/>
+                </a:cxn>
+                <a:cxn ang="0">
+                  <a:pos x="connsiteX3" y="connsiteY3"/>
+                </a:cxn>
+              </a:cxnLst>
+              <a:rect l="l" t="t" r="r" b="b"/>
+              <a:pathLst>
+                <a:path w="960403" h="4449868">
+                  <a:moveTo>
+                    <a:pt x="0" y="0"/>
+                  </a:moveTo>
+                  <a:lnTo>
+                    <a:pt x="960403" y="0"/>
+                  </a:lnTo>
+                  <a:lnTo>
+                    <a:pt x="960403" y="4449869"/>
+                  </a:lnTo>
+                  <a:lnTo>
+                    <a:pt x="0" y="4449869"/>
+                  </a:lnTo>
+                  <a:close/>
+                </a:path>
+              </a:pathLst>
+            </a:custGeom>
+            <a:grpFill/>
+            <a:ln w="31998" cap="flat">
+              <a:noFill/>
+              <a:prstDash val="solid"/>
+              <a:miter/>
+            </a:ln>
+          </p:spPr>
+          <p:txBody>
+            <a:bodyPr rtlCol="0" anchor="ctr"/>
+            <a:lstStyle/>
+            <a:p>
+              <a:endParaRPr lang="en-US"/>
+            </a:p>
+          </p:txBody>
+        </p:sp>
+        <p:sp>
+          <p:nvSpPr>
+            <p:cNvPr id="11" name="Freeform: Shape 10">
+              <a:extLst>
+                <a:ext uri="{FF2B5EF4-FFF2-40B4-BE49-F238E27FC236}">
+                  <a16:creationId xmlns:a16="http://schemas.microsoft.com/office/drawing/2014/main" id="{6BF635FF-34D8-453E-8B82-8817ADE90D19}"/>
+                </a:ext>
+              </a:extLst>
+            </p:cNvPr>
+            <p:cNvSpPr/>
+            <p:nvPr/>
+          </p:nvSpPr>
+          <p:spPr>
+            <a:xfrm>
+              <a:off x="12413405" y="15271394"/>
+              <a:ext cx="960403" cy="3745573"/>
+            </a:xfrm>
+            <a:custGeom>
+              <a:avLst/>
+              <a:gdLst>
+                <a:gd name="connsiteX0" fmla="*/ 0 w 960403"/>
+                <a:gd name="connsiteY0" fmla="*/ 0 h 3745573"/>
+                <a:gd name="connsiteX1" fmla="*/ 960403 w 960403"/>
+                <a:gd name="connsiteY1" fmla="*/ 0 h 3745573"/>
+                <a:gd name="connsiteX2" fmla="*/ 960403 w 960403"/>
+                <a:gd name="connsiteY2" fmla="*/ 3745573 h 3745573"/>
+                <a:gd name="connsiteX3" fmla="*/ 0 w 960403"/>
+                <a:gd name="connsiteY3" fmla="*/ 3745573 h 3745573"/>
+              </a:gdLst>
+              <a:ahLst/>
+              <a:cxnLst>
+                <a:cxn ang="0">
+                  <a:pos x="connsiteX0" y="connsiteY0"/>
+                </a:cxn>
+                <a:cxn ang="0">
+                  <a:pos x="connsiteX1" y="connsiteY1"/>
+                </a:cxn>
+                <a:cxn ang="0">
+                  <a:pos x="connsiteX2" y="connsiteY2"/>
+                </a:cxn>
+                <a:cxn ang="0">
+                  <a:pos x="connsiteX3" y="connsiteY3"/>
+                </a:cxn>
+              </a:cxnLst>
+              <a:rect l="l" t="t" r="r" b="b"/>
+              <a:pathLst>
+                <a:path w="960403" h="3745573">
+                  <a:moveTo>
+                    <a:pt x="0" y="0"/>
+                  </a:moveTo>
+                  <a:lnTo>
+                    <a:pt x="960403" y="0"/>
+                  </a:lnTo>
+                  <a:lnTo>
+                    <a:pt x="960403" y="3745573"/>
+                  </a:lnTo>
+                  <a:lnTo>
+                    <a:pt x="0" y="3745573"/>
+                  </a:lnTo>
+                  <a:close/>
+                </a:path>
+              </a:pathLst>
+            </a:custGeom>
+            <a:grpFill/>
+            <a:ln w="31998" cap="flat">
+              <a:noFill/>
+              <a:prstDash val="solid"/>
+              <a:miter/>
+            </a:ln>
+          </p:spPr>
+          <p:txBody>
+            <a:bodyPr rtlCol="0" anchor="ctr"/>
+            <a:lstStyle/>
+            <a:p>
+              <a:endParaRPr lang="en-US"/>
+            </a:p>
+          </p:txBody>
+        </p:sp>
+      </p:grpSp>
+      <p:sp>
+        <p:nvSpPr>
+          <p:cNvPr id="6" name="Parallelogram 5">
+            <a:extLst>
+              <a:ext uri="{FF2B5EF4-FFF2-40B4-BE49-F238E27FC236}">
+                <a16:creationId xmlns:a16="http://schemas.microsoft.com/office/drawing/2014/main" id="{AE20F237-D820-414A-AC3D-F91D09261A14}"/>
+              </a:ext>
+            </a:extLst>
+          </p:cNvPr>
+          <p:cNvSpPr/>
+          <p:nvPr/>
+        </p:nvSpPr>
+        <p:spPr>
+          <a:xfrm>
+            <a:off x="2838931" y="10472687"/>
+            <a:ext cx="16194504" cy="4488454"/>
+          </a:xfrm>
+          <a:custGeom>
+            <a:avLst/>
+            <a:gdLst>
+              <a:gd name="connsiteX0" fmla="*/ 0 w 15837588"/>
+              <a:gd name="connsiteY0" fmla="*/ 4436832 h 4436832"/>
+              <a:gd name="connsiteX1" fmla="*/ 1656935 w 15837588"/>
+              <a:gd name="connsiteY1" fmla="*/ 0 h 4436832"/>
+              <a:gd name="connsiteX2" fmla="*/ 15837588 w 15837588"/>
+              <a:gd name="connsiteY2" fmla="*/ 0 h 4436832"/>
+              <a:gd name="connsiteX3" fmla="*/ 14180653 w 15837588"/>
+              <a:gd name="connsiteY3" fmla="*/ 4436832 h 4436832"/>
+              <a:gd name="connsiteX4" fmla="*/ 0 w 15837588"/>
+              <a:gd name="connsiteY4" fmla="*/ 4436832 h 4436832"/>
+              <a:gd name="connsiteX0" fmla="*/ 0 w 15837588"/>
+              <a:gd name="connsiteY0" fmla="*/ 4436832 h 4436832"/>
+              <a:gd name="connsiteX1" fmla="*/ 439625 w 15837588"/>
+              <a:gd name="connsiteY1" fmla="*/ 3967618 h 4436832"/>
+              <a:gd name="connsiteX2" fmla="*/ 1656935 w 15837588"/>
+              <a:gd name="connsiteY2" fmla="*/ 0 h 4436832"/>
+              <a:gd name="connsiteX3" fmla="*/ 15837588 w 15837588"/>
+              <a:gd name="connsiteY3" fmla="*/ 0 h 4436832"/>
+              <a:gd name="connsiteX4" fmla="*/ 14180653 w 15837588"/>
+              <a:gd name="connsiteY4" fmla="*/ 4436832 h 4436832"/>
+              <a:gd name="connsiteX5" fmla="*/ 0 w 15837588"/>
+              <a:gd name="connsiteY5" fmla="*/ 4436832 h 4436832"/>
+              <a:gd name="connsiteX0" fmla="*/ 0 w 15837588"/>
+              <a:gd name="connsiteY0" fmla="*/ 4436832 h 4436832"/>
+              <a:gd name="connsiteX1" fmla="*/ 439625 w 15837588"/>
+              <a:gd name="connsiteY1" fmla="*/ 3967618 h 4436832"/>
+              <a:gd name="connsiteX2" fmla="*/ 1127378 w 15837588"/>
+              <a:gd name="connsiteY2" fmla="*/ 732048 h 4436832"/>
+              <a:gd name="connsiteX3" fmla="*/ 1656935 w 15837588"/>
+              <a:gd name="connsiteY3" fmla="*/ 0 h 4436832"/>
+              <a:gd name="connsiteX4" fmla="*/ 15837588 w 15837588"/>
+              <a:gd name="connsiteY4" fmla="*/ 0 h 4436832"/>
+              <a:gd name="connsiteX5" fmla="*/ 14180653 w 15837588"/>
+              <a:gd name="connsiteY5" fmla="*/ 4436832 h 4436832"/>
+              <a:gd name="connsiteX6" fmla="*/ 0 w 15837588"/>
+              <a:gd name="connsiteY6" fmla="*/ 4436832 h 4436832"/>
+              <a:gd name="connsiteX0" fmla="*/ 0 w 15837588"/>
+              <a:gd name="connsiteY0" fmla="*/ 4436832 h 4436832"/>
+              <a:gd name="connsiteX1" fmla="*/ 439625 w 15837588"/>
+              <a:gd name="connsiteY1" fmla="*/ 3967618 h 4436832"/>
+              <a:gd name="connsiteX2" fmla="*/ 1127378 w 15837588"/>
+              <a:gd name="connsiteY2" fmla="*/ 732048 h 4436832"/>
+              <a:gd name="connsiteX3" fmla="*/ 1656935 w 15837588"/>
+              <a:gd name="connsiteY3" fmla="*/ 0 h 4436832"/>
+              <a:gd name="connsiteX4" fmla="*/ 15837588 w 15837588"/>
+              <a:gd name="connsiteY4" fmla="*/ 0 h 4436832"/>
+              <a:gd name="connsiteX5" fmla="*/ 15413902 w 15837588"/>
+              <a:gd name="connsiteY5" fmla="*/ 630448 h 4436832"/>
+              <a:gd name="connsiteX6" fmla="*/ 14180653 w 15837588"/>
+              <a:gd name="connsiteY6" fmla="*/ 4436832 h 4436832"/>
+              <a:gd name="connsiteX7" fmla="*/ 0 w 15837588"/>
+              <a:gd name="connsiteY7" fmla="*/ 4436832 h 4436832"/>
+              <a:gd name="connsiteX0" fmla="*/ 0 w 15837588"/>
+              <a:gd name="connsiteY0" fmla="*/ 4436832 h 4436832"/>
+              <a:gd name="connsiteX1" fmla="*/ 439625 w 15837588"/>
+              <a:gd name="connsiteY1" fmla="*/ 3967618 h 4436832"/>
+              <a:gd name="connsiteX2" fmla="*/ 1127378 w 15837588"/>
+              <a:gd name="connsiteY2" fmla="*/ 732048 h 4436832"/>
+              <a:gd name="connsiteX3" fmla="*/ 1656935 w 15837588"/>
+              <a:gd name="connsiteY3" fmla="*/ 0 h 4436832"/>
+              <a:gd name="connsiteX4" fmla="*/ 15837588 w 15837588"/>
+              <a:gd name="connsiteY4" fmla="*/ 0 h 4436832"/>
+              <a:gd name="connsiteX5" fmla="*/ 15413902 w 15837588"/>
+              <a:gd name="connsiteY5" fmla="*/ 630448 h 4436832"/>
+              <a:gd name="connsiteX6" fmla="*/ 14726148 w 15837588"/>
+              <a:gd name="connsiteY6" fmla="*/ 3998879 h 4436832"/>
+              <a:gd name="connsiteX7" fmla="*/ 14180653 w 15837588"/>
+              <a:gd name="connsiteY7" fmla="*/ 4436832 h 4436832"/>
+              <a:gd name="connsiteX8" fmla="*/ 0 w 15837588"/>
+              <a:gd name="connsiteY8" fmla="*/ 4436832 h 4436832"/>
+              <a:gd name="connsiteX0" fmla="*/ 0 w 15837588"/>
+              <a:gd name="connsiteY0" fmla="*/ 4436832 h 4436832"/>
+              <a:gd name="connsiteX1" fmla="*/ 439625 w 15837588"/>
+              <a:gd name="connsiteY1" fmla="*/ 3967618 h 4436832"/>
+              <a:gd name="connsiteX2" fmla="*/ 996046 w 15837588"/>
+              <a:gd name="connsiteY2" fmla="*/ 687321 h 4436832"/>
+              <a:gd name="connsiteX3" fmla="*/ 1656935 w 15837588"/>
+              <a:gd name="connsiteY3" fmla="*/ 0 h 4436832"/>
+              <a:gd name="connsiteX4" fmla="*/ 15837588 w 15837588"/>
+              <a:gd name="connsiteY4" fmla="*/ 0 h 4436832"/>
+              <a:gd name="connsiteX5" fmla="*/ 15413902 w 15837588"/>
+              <a:gd name="connsiteY5" fmla="*/ 630448 h 4436832"/>
+              <a:gd name="connsiteX6" fmla="*/ 14726148 w 15837588"/>
+              <a:gd name="connsiteY6" fmla="*/ 3998879 h 4436832"/>
+              <a:gd name="connsiteX7" fmla="*/ 14180653 w 15837588"/>
+              <a:gd name="connsiteY7" fmla="*/ 4436832 h 4436832"/>
+              <a:gd name="connsiteX8" fmla="*/ 0 w 15837588"/>
+              <a:gd name="connsiteY8" fmla="*/ 4436832 h 4436832"/>
+              <a:gd name="connsiteX0" fmla="*/ 0 w 15837588"/>
+              <a:gd name="connsiteY0" fmla="*/ 4436832 h 4436832"/>
+              <a:gd name="connsiteX1" fmla="*/ 439625 w 15837588"/>
+              <a:gd name="connsiteY1" fmla="*/ 3967618 h 4436832"/>
+              <a:gd name="connsiteX2" fmla="*/ 957134 w 15837588"/>
+              <a:gd name="connsiteY2" fmla="*/ 682352 h 4436832"/>
+              <a:gd name="connsiteX3" fmla="*/ 1656935 w 15837588"/>
+              <a:gd name="connsiteY3" fmla="*/ 0 h 4436832"/>
+              <a:gd name="connsiteX4" fmla="*/ 15837588 w 15837588"/>
+              <a:gd name="connsiteY4" fmla="*/ 0 h 4436832"/>
+              <a:gd name="connsiteX5" fmla="*/ 15413902 w 15837588"/>
+              <a:gd name="connsiteY5" fmla="*/ 630448 h 4436832"/>
+              <a:gd name="connsiteX6" fmla="*/ 14726148 w 15837588"/>
+              <a:gd name="connsiteY6" fmla="*/ 3998879 h 4436832"/>
+              <a:gd name="connsiteX7" fmla="*/ 14180653 w 15837588"/>
+              <a:gd name="connsiteY7" fmla="*/ 4436832 h 4436832"/>
+              <a:gd name="connsiteX8" fmla="*/ 0 w 15837588"/>
+              <a:gd name="connsiteY8" fmla="*/ 4436832 h 4436832"/>
+              <a:gd name="connsiteX0" fmla="*/ 0 w 15837588"/>
+              <a:gd name="connsiteY0" fmla="*/ 4436832 h 4436832"/>
+              <a:gd name="connsiteX1" fmla="*/ 371527 w 15837588"/>
+              <a:gd name="connsiteY1" fmla="*/ 3937801 h 4436832"/>
+              <a:gd name="connsiteX2" fmla="*/ 957134 w 15837588"/>
+              <a:gd name="connsiteY2" fmla="*/ 682352 h 4436832"/>
+              <a:gd name="connsiteX3" fmla="*/ 1656935 w 15837588"/>
+              <a:gd name="connsiteY3" fmla="*/ 0 h 4436832"/>
+              <a:gd name="connsiteX4" fmla="*/ 15837588 w 15837588"/>
+              <a:gd name="connsiteY4" fmla="*/ 0 h 4436832"/>
+              <a:gd name="connsiteX5" fmla="*/ 15413902 w 15837588"/>
+              <a:gd name="connsiteY5" fmla="*/ 630448 h 4436832"/>
+              <a:gd name="connsiteX6" fmla="*/ 14726148 w 15837588"/>
+              <a:gd name="connsiteY6" fmla="*/ 3998879 h 4436832"/>
+              <a:gd name="connsiteX7" fmla="*/ 14180653 w 15837588"/>
+              <a:gd name="connsiteY7" fmla="*/ 4436832 h 4436832"/>
+              <a:gd name="connsiteX8" fmla="*/ 0 w 15837588"/>
+              <a:gd name="connsiteY8" fmla="*/ 4436832 h 4436832"/>
+              <a:gd name="connsiteX0" fmla="*/ 0 w 15837588"/>
+              <a:gd name="connsiteY0" fmla="*/ 4436832 h 4436832"/>
+              <a:gd name="connsiteX1" fmla="*/ 371527 w 15837588"/>
+              <a:gd name="connsiteY1" fmla="*/ 3937801 h 4436832"/>
+              <a:gd name="connsiteX2" fmla="*/ 957134 w 15837588"/>
+              <a:gd name="connsiteY2" fmla="*/ 682352 h 4436832"/>
+              <a:gd name="connsiteX3" fmla="*/ 1656935 w 15837588"/>
+              <a:gd name="connsiteY3" fmla="*/ 0 h 4436832"/>
+              <a:gd name="connsiteX4" fmla="*/ 15837588 w 15837588"/>
+              <a:gd name="connsiteY4" fmla="*/ 0 h 4436832"/>
+              <a:gd name="connsiteX5" fmla="*/ 15413902 w 15837588"/>
+              <a:gd name="connsiteY5" fmla="*/ 630448 h 4436832"/>
+              <a:gd name="connsiteX6" fmla="*/ 14594817 w 15837588"/>
+              <a:gd name="connsiteY6" fmla="*/ 4217540 h 4436832"/>
+              <a:gd name="connsiteX7" fmla="*/ 14180653 w 15837588"/>
+              <a:gd name="connsiteY7" fmla="*/ 4436832 h 4436832"/>
+              <a:gd name="connsiteX8" fmla="*/ 0 w 15837588"/>
+              <a:gd name="connsiteY8" fmla="*/ 4436832 h 4436832"/>
+              <a:gd name="connsiteX0" fmla="*/ 0 w 15837588"/>
+              <a:gd name="connsiteY0" fmla="*/ 4436832 h 4436832"/>
+              <a:gd name="connsiteX1" fmla="*/ 371527 w 15837588"/>
+              <a:gd name="connsiteY1" fmla="*/ 3937801 h 4436832"/>
+              <a:gd name="connsiteX2" fmla="*/ 957134 w 15837588"/>
+              <a:gd name="connsiteY2" fmla="*/ 682352 h 4436832"/>
+              <a:gd name="connsiteX3" fmla="*/ 1656935 w 15837588"/>
+              <a:gd name="connsiteY3" fmla="*/ 0 h 4436832"/>
+              <a:gd name="connsiteX4" fmla="*/ 15837588 w 15837588"/>
+              <a:gd name="connsiteY4" fmla="*/ 0 h 4436832"/>
+              <a:gd name="connsiteX5" fmla="*/ 15413902 w 15837588"/>
+              <a:gd name="connsiteY5" fmla="*/ 630448 h 4436832"/>
+              <a:gd name="connsiteX6" fmla="*/ 14648322 w 15837588"/>
+              <a:gd name="connsiteY6" fmla="*/ 4217540 h 4436832"/>
+              <a:gd name="connsiteX7" fmla="*/ 14180653 w 15837588"/>
+              <a:gd name="connsiteY7" fmla="*/ 4436832 h 4436832"/>
+              <a:gd name="connsiteX8" fmla="*/ 0 w 15837588"/>
+              <a:gd name="connsiteY8" fmla="*/ 4436832 h 4436832"/>
+              <a:gd name="connsiteX0" fmla="*/ 0 w 15837588"/>
+              <a:gd name="connsiteY0" fmla="*/ 4436832 h 4436832"/>
+              <a:gd name="connsiteX1" fmla="*/ 371527 w 15837588"/>
+              <a:gd name="connsiteY1" fmla="*/ 3937801 h 4436832"/>
+              <a:gd name="connsiteX2" fmla="*/ 1231542 w 15837588"/>
+              <a:gd name="connsiteY2" fmla="*/ 187990 h 4436832"/>
+              <a:gd name="connsiteX3" fmla="*/ 1656935 w 15837588"/>
+              <a:gd name="connsiteY3" fmla="*/ 0 h 4436832"/>
+              <a:gd name="connsiteX4" fmla="*/ 15837588 w 15837588"/>
+              <a:gd name="connsiteY4" fmla="*/ 0 h 4436832"/>
+              <a:gd name="connsiteX5" fmla="*/ 15413902 w 15837588"/>
+              <a:gd name="connsiteY5" fmla="*/ 630448 h 4436832"/>
+              <a:gd name="connsiteX6" fmla="*/ 14648322 w 15837588"/>
+              <a:gd name="connsiteY6" fmla="*/ 4217540 h 4436832"/>
+              <a:gd name="connsiteX7" fmla="*/ 14180653 w 15837588"/>
+              <a:gd name="connsiteY7" fmla="*/ 4436832 h 4436832"/>
+              <a:gd name="connsiteX8" fmla="*/ 0 w 15837588"/>
+              <a:gd name="connsiteY8" fmla="*/ 4436832 h 4436832"/>
+              <a:gd name="connsiteX0" fmla="*/ 0 w 15837588"/>
+              <a:gd name="connsiteY0" fmla="*/ 4436832 h 4436832"/>
+              <a:gd name="connsiteX1" fmla="*/ 326330 w 15837588"/>
+              <a:gd name="connsiteY1" fmla="*/ 4001432 h 4436832"/>
+              <a:gd name="connsiteX2" fmla="*/ 1231542 w 15837588"/>
+              <a:gd name="connsiteY2" fmla="*/ 187990 h 4436832"/>
+              <a:gd name="connsiteX3" fmla="*/ 1656935 w 15837588"/>
+              <a:gd name="connsiteY3" fmla="*/ 0 h 4436832"/>
+              <a:gd name="connsiteX4" fmla="*/ 15837588 w 15837588"/>
+              <a:gd name="connsiteY4" fmla="*/ 0 h 4436832"/>
+              <a:gd name="connsiteX5" fmla="*/ 15413902 w 15837588"/>
+              <a:gd name="connsiteY5" fmla="*/ 630448 h 4436832"/>
+              <a:gd name="connsiteX6" fmla="*/ 14648322 w 15837588"/>
+              <a:gd name="connsiteY6" fmla="*/ 4217540 h 4436832"/>
+              <a:gd name="connsiteX7" fmla="*/ 14180653 w 15837588"/>
+              <a:gd name="connsiteY7" fmla="*/ 4436832 h 4436832"/>
+              <a:gd name="connsiteX8" fmla="*/ 0 w 15837588"/>
+              <a:gd name="connsiteY8" fmla="*/ 4436832 h 4436832"/>
+              <a:gd name="connsiteX0" fmla="*/ 0 w 15837588"/>
+              <a:gd name="connsiteY0" fmla="*/ 4436832 h 4436832"/>
+              <a:gd name="connsiteX1" fmla="*/ 326330 w 15837588"/>
+              <a:gd name="connsiteY1" fmla="*/ 4001432 h 4436832"/>
+              <a:gd name="connsiteX2" fmla="*/ 1231542 w 15837588"/>
+              <a:gd name="connsiteY2" fmla="*/ 187990 h 4436832"/>
+              <a:gd name="connsiteX3" fmla="*/ 1656935 w 15837588"/>
+              <a:gd name="connsiteY3" fmla="*/ 0 h 4436832"/>
+              <a:gd name="connsiteX4" fmla="*/ 15837588 w 15837588"/>
+              <a:gd name="connsiteY4" fmla="*/ 0 h 4436832"/>
+              <a:gd name="connsiteX5" fmla="*/ 15507523 w 15837588"/>
+              <a:gd name="connsiteY5" fmla="*/ 269873 h 4436832"/>
+              <a:gd name="connsiteX6" fmla="*/ 14648322 w 15837588"/>
+              <a:gd name="connsiteY6" fmla="*/ 4217540 h 4436832"/>
+              <a:gd name="connsiteX7" fmla="*/ 14180653 w 15837588"/>
+              <a:gd name="connsiteY7" fmla="*/ 4436832 h 4436832"/>
+              <a:gd name="connsiteX8" fmla="*/ 0 w 15837588"/>
+              <a:gd name="connsiteY8" fmla="*/ 4436832 h 4436832"/>
+              <a:gd name="connsiteX0" fmla="*/ 0 w 15837588"/>
+              <a:gd name="connsiteY0" fmla="*/ 4436832 h 4436832"/>
+              <a:gd name="connsiteX1" fmla="*/ 326330 w 15837588"/>
+              <a:gd name="connsiteY1" fmla="*/ 4001432 h 4436832"/>
+              <a:gd name="connsiteX2" fmla="*/ 1231542 w 15837588"/>
+              <a:gd name="connsiteY2" fmla="*/ 187990 h 4436832"/>
+              <a:gd name="connsiteX3" fmla="*/ 1656935 w 15837588"/>
+              <a:gd name="connsiteY3" fmla="*/ 0 h 4436832"/>
+              <a:gd name="connsiteX4" fmla="*/ 15837588 w 15837588"/>
+              <a:gd name="connsiteY4" fmla="*/ 0 h 4436832"/>
+              <a:gd name="connsiteX5" fmla="*/ 15520436 w 15837588"/>
+              <a:gd name="connsiteY5" fmla="*/ 286189 h 4436832"/>
+              <a:gd name="connsiteX6" fmla="*/ 14648322 w 15837588"/>
+              <a:gd name="connsiteY6" fmla="*/ 4217540 h 4436832"/>
+              <a:gd name="connsiteX7" fmla="*/ 14180653 w 15837588"/>
+              <a:gd name="connsiteY7" fmla="*/ 4436832 h 4436832"/>
+              <a:gd name="connsiteX8" fmla="*/ 0 w 15837588"/>
+              <a:gd name="connsiteY8" fmla="*/ 4436832 h 4436832"/>
+              <a:gd name="connsiteX0" fmla="*/ 0 w 15837588"/>
+              <a:gd name="connsiteY0" fmla="*/ 4436832 h 4436832"/>
+              <a:gd name="connsiteX1" fmla="*/ 326330 w 15837588"/>
+              <a:gd name="connsiteY1" fmla="*/ 4001432 h 4436832"/>
+              <a:gd name="connsiteX2" fmla="*/ 1231542 w 15837588"/>
+              <a:gd name="connsiteY2" fmla="*/ 187990 h 4436832"/>
+              <a:gd name="connsiteX3" fmla="*/ 1656935 w 15837588"/>
+              <a:gd name="connsiteY3" fmla="*/ 0 h 4436832"/>
+              <a:gd name="connsiteX4" fmla="*/ 15837588 w 15837588"/>
+              <a:gd name="connsiteY4" fmla="*/ 0 h 4436832"/>
+              <a:gd name="connsiteX5" fmla="*/ 15520436 w 15837588"/>
+              <a:gd name="connsiteY5" fmla="*/ 286189 h 4436832"/>
+              <a:gd name="connsiteX6" fmla="*/ 14578913 w 15837588"/>
+              <a:gd name="connsiteY6" fmla="*/ 4140857 h 4436832"/>
+              <a:gd name="connsiteX7" fmla="*/ 14180653 w 15837588"/>
+              <a:gd name="connsiteY7" fmla="*/ 4436832 h 4436832"/>
+              <a:gd name="connsiteX8" fmla="*/ 0 w 15837588"/>
+              <a:gd name="connsiteY8" fmla="*/ 4436832 h 4436832"/>
+            </a:gdLst>
+            <a:ahLst/>
+            <a:cxnLst>
+              <a:cxn ang="0">
+                <a:pos x="connsiteX0" y="connsiteY0"/>
+              </a:cxn>
+              <a:cxn ang="0">
+                <a:pos x="connsiteX1" y="connsiteY1"/>
+              </a:cxn>
+              <a:cxn ang="0">
+                <a:pos x="connsiteX2" y="connsiteY2"/>
+              </a:cxn>
+              <a:cxn ang="0">
+                <a:pos x="connsiteX3" y="connsiteY3"/>
+              </a:cxn>
+              <a:cxn ang="0">
+                <a:pos x="connsiteX4" y="connsiteY4"/>
+              </a:cxn>
+              <a:cxn ang="0">
+                <a:pos x="connsiteX5" y="connsiteY5"/>
+              </a:cxn>
+              <a:cxn ang="0">
+                <a:pos x="connsiteX6" y="connsiteY6"/>
+              </a:cxn>
+              <a:cxn ang="0">
+                <a:pos x="connsiteX7" y="connsiteY7"/>
+              </a:cxn>
+              <a:cxn ang="0">
+                <a:pos x="connsiteX8" y="connsiteY8"/>
+              </a:cxn>
+            </a:cxnLst>
+            <a:rect l="l" t="t" r="r" b="b"/>
+            <a:pathLst>
+              <a:path w="15837588" h="4436832">
+                <a:moveTo>
+                  <a:pt x="0" y="4436832"/>
+                </a:moveTo>
+                <a:cubicBezTo>
+                  <a:pt x="86624" y="4184037"/>
+                  <a:pt x="239706" y="4254227"/>
+                  <a:pt x="326330" y="4001432"/>
+                </a:cubicBezTo>
+                <a:cubicBezTo>
+                  <a:pt x="662391" y="2922909"/>
+                  <a:pt x="895481" y="1266513"/>
+                  <a:pt x="1231542" y="187990"/>
+                </a:cubicBezTo>
+                <a:lnTo>
+                  <a:pt x="1656935" y="0"/>
+                </a:lnTo>
+                <a:lnTo>
+                  <a:pt x="15837588" y="0"/>
+                </a:lnTo>
+                <a:cubicBezTo>
+                  <a:pt x="15758882" y="210149"/>
+                  <a:pt x="15599142" y="76040"/>
+                  <a:pt x="15520436" y="286189"/>
+                </a:cubicBezTo>
+                <a:cubicBezTo>
+                  <a:pt x="15179164" y="1315215"/>
+                  <a:pt x="14920185" y="3111831"/>
+                  <a:pt x="14578913" y="4140857"/>
+                </a:cubicBezTo>
+                <a:lnTo>
+                  <a:pt x="14180653" y="4436832"/>
+                </a:lnTo>
+                <a:lnTo>
+                  <a:pt x="0" y="4436832"/>
+                </a:lnTo>
+                <a:close/>
+              </a:path>
+            </a:pathLst>
+          </a:custGeom>
+          <a:solidFill>
+            <a:srgbClr val="14275B"/>
+          </a:solidFill>
+          <a:ln w="31998" cap="flat">
+            <a:noFill/>
+            <a:prstDash val="solid"/>
+            <a:miter/>
+          </a:ln>
+        </p:spPr>
+        <p:txBody>
+          <a:bodyPr rtlCol="0" anchor="ctr"/>
+          <a:lstStyle/>
+          <a:p>
+            <a:endParaRPr lang="en-US"/>
+          </a:p>
+        </p:txBody>
+      </p:sp>
+      <p:sp>
+        <p:nvSpPr>
+          <p:cNvPr id="28" name="TextBox 27">
+            <a:extLst>
+              <a:ext uri="{FF2B5EF4-FFF2-40B4-BE49-F238E27FC236}">
+                <a16:creationId xmlns:a16="http://schemas.microsoft.com/office/drawing/2014/main" id="{E228F3D9-CAE6-4090-95DA-C47193530A88}"/>
+              </a:ext>
+            </a:extLst>
+          </p:cNvPr>
+          <p:cNvSpPr txBox="1"/>
+          <p:nvPr/>
+        </p:nvSpPr>
+        <p:spPr>
+          <a:xfrm>
+            <a:off x="1524001" y="9894164"/>
+            <a:ext cx="18897599" cy="5632311"/>
+          </a:xfrm>
+          <a:prstGeom prst="rect">
+            <a:avLst/>
+          </a:prstGeom>
+          <a:noFill/>
+        </p:spPr>
+        <p:txBody>
+          <a:bodyPr wrap="square" rtlCol="0">
+            <a:spAutoFit/>
+          </a:bodyPr>
+          <a:lstStyle/>
+          <a:p>
+            <a:pPr algn="ctr"/>
+            <a:r>
+              <a:rPr lang="en-US" sz="36000" i="1" dirty="0">
+                <a:solidFill>
+                  <a:srgbClr val="1464B4"/>
+                </a:solidFill>
+                <a:latin typeface="Bodoni* 11" pitchFamily="50" charset="0"/>
+              </a:rPr>
+              <a:t>faux</a:t>
+            </a:r>
+            <a:r>
+              <a:rPr lang="en-US" sz="25200" b="1" i="1" dirty="0">
+                <a:solidFill>
+                  <a:srgbClr val="1464B4"/>
+                </a:solidFill>
+                <a:latin typeface="Hasklig" panose="020B0509030403020204" pitchFamily="49" charset="0"/>
+                <a:ea typeface="Hasklig" panose="020B0509030403020204" pitchFamily="49" charset="0"/>
+              </a:rPr>
+              <a:t>NA</a:t>
+            </a:r>
+            <a:r>
+              <a:rPr lang="en-US" sz="36000" i="1" dirty="0">
+                <a:solidFill>
+                  <a:srgbClr val="1464B4"/>
+                </a:solidFill>
+                <a:latin typeface="Bodoni* 11" pitchFamily="50" charset="0"/>
+                <a:ea typeface="Hasklig" panose="020B0509030403020204" pitchFamily="49" charset="0"/>
+              </a:rPr>
+              <a:t>ï</a:t>
+            </a:r>
+            <a:r>
+              <a:rPr lang="en-US" sz="36000" i="1" dirty="0">
+                <a:solidFill>
+                  <a:srgbClr val="1464B4"/>
+                </a:solidFill>
+                <a:latin typeface="Bodoni* 11" pitchFamily="50" charset="0"/>
+              </a:rPr>
+              <a:t>f</a:t>
+            </a:r>
+          </a:p>
+        </p:txBody>
+      </p:sp>
       <p:sp>
         <p:nvSpPr>
           <p:cNvPr id="4" name="TextBox 3">
@@ -3044,8 +4092,8 @@
         </p:nvSpPr>
         <p:spPr>
           <a:xfrm>
-            <a:off x="-113623" y="9861242"/>
-            <a:ext cx="22172846" cy="5940088"/>
+            <a:off x="1524001" y="9894164"/>
+            <a:ext cx="18897599" cy="5632311"/>
           </a:xfrm>
           <a:prstGeom prst="rect">
             <a:avLst/>
@@ -3060,7 +4108,7 @@
           <a:p>
             <a:pPr algn="ctr"/>
             <a:r>
-              <a:rPr lang="en-US" sz="38000" i="1" dirty="0" err="1">
+              <a:rPr lang="en-US" sz="36000" i="1" dirty="0">
                 <a:solidFill>
                   <a:schemeClr val="bg1"/>
                 </a:solidFill>
@@ -3069,7 +4117,7 @@
               <a:t>faux</a:t>
             </a:r>
             <a:r>
-              <a:rPr lang="en-US" sz="26800" b="1" i="1" dirty="0" err="1">
+              <a:rPr lang="en-US" sz="25200" b="1" i="1" dirty="0">
                 <a:solidFill>
                   <a:schemeClr val="bg1"/>
                 </a:solidFill>
@@ -3079,17 +4127,17 @@
               <a:t>NA</a:t>
             </a:r>
             <a:r>
-              <a:rPr lang="en-US" sz="38000" i="1" dirty="0" err="1">
+              <a:rPr lang="en-US" sz="36000" i="1" dirty="0">
                 <a:solidFill>
                   <a:schemeClr val="bg1"/>
                 </a:solidFill>
                 <a:latin typeface="Bodoni* 11" pitchFamily="50" charset="0"/>
                 <a:ea typeface="Hasklig" panose="020B0509030403020204" pitchFamily="49" charset="0"/>
               </a:rPr>
-              <a:t>ï</a:t>
-            </a:r>
-            <a:r>
-              <a:rPr lang="en-US" sz="38000" i="1" dirty="0" err="1">
+              <a:t>ı</a:t>
+            </a:r>
+            <a:r>
+              <a:rPr lang="en-US" sz="36000" i="1" dirty="0">
                 <a:solidFill>
                   <a:schemeClr val="bg1"/>
                 </a:solidFill>
@@ -3097,12 +4145,6 @@
               </a:rPr>
               <a:t>f</a:t>
             </a:r>
-            <a:endParaRPr lang="en-US" sz="38000" i="1" dirty="0">
-              <a:solidFill>
-                <a:schemeClr val="bg1"/>
-              </a:solidFill>
-              <a:latin typeface="Bodoni* 11" pitchFamily="50" charset="0"/>
-            </a:endParaRPr>
           </a:p>
         </p:txBody>
       </p:sp>
